--- a/PPTs/Salah.pptx
+++ b/PPTs/Salah.pptx
@@ -259,7 +259,7 @@
               <a:pPr>
                 <a:defRPr/>
               </a:pPr>
-              <a:t>5/17/2023</a:t>
+              <a:t>5/18/2024</a:t>
             </a:fld>
             <a:endParaRPr lang="en-US"/>
           </a:p>
@@ -10812,7 +10812,7 @@
         <p:spPr>
           <a:xfrm>
             <a:off x="706310" y="3140520"/>
-            <a:ext cx="4968552" cy="3046988"/>
+            <a:ext cx="4968552" cy="3416320"/>
           </a:xfrm>
           <a:prstGeom prst="rect">
             <a:avLst/>
@@ -10847,7 +10847,7 @@
                   <a:noFill/>
                 </a:ln>
                 <a:solidFill>
-                  <a:schemeClr val="tx1"/>
+                  <a:srgbClr val="000000"/>
                 </a:solidFill>
                 <a:effectLst/>
                 <a:latin typeface="+mn-lt"/>
@@ -10886,28 +10886,52 @@
           <a:lstStyle/>
           <a:p>
             <a:r>
-              <a:rPr lang="en-US" dirty="0"/>
+              <a:rPr lang="en-US" dirty="0">
+                <a:solidFill>
+                  <a:srgbClr val="000000"/>
+                </a:solidFill>
+              </a:rPr>
               <a:t>The reward of offering this prayer is to participate in the rewards of those who go on Hajj.</a:t>
             </a:r>
           </a:p>
           <a:p>
-            <a:endParaRPr lang="en-US" dirty="0"/>
-          </a:p>
-          <a:p>
-            <a:r>
-              <a:rPr lang="en-US" dirty="0"/>
+            <a:endParaRPr lang="en-US" dirty="0">
+              <a:solidFill>
+                <a:srgbClr val="000000"/>
+              </a:solidFill>
+            </a:endParaRPr>
+          </a:p>
+          <a:p>
+            <a:r>
+              <a:rPr lang="en-US" dirty="0">
+                <a:solidFill>
+                  <a:srgbClr val="000000"/>
+                </a:solidFill>
+              </a:rPr>
               <a:t>At each of these ten nights, it is recommended to offer a </a:t>
             </a:r>
             <a:r>
-              <a:rPr lang="en-US" b="1" dirty="0"/>
+              <a:rPr lang="en-US" b="1" dirty="0">
+                <a:solidFill>
+                  <a:srgbClr val="000000"/>
+                </a:solidFill>
+              </a:rPr>
               <a:t>two-unit prayer between the Maghrib and `</a:t>
             </a:r>
             <a:r>
-              <a:rPr lang="en-US" b="1" dirty="0" err="1"/>
+              <a:rPr lang="en-US" b="1" dirty="0" err="1">
+                <a:solidFill>
+                  <a:srgbClr val="000000"/>
+                </a:solidFill>
+              </a:rPr>
               <a:t>Isha</a:t>
             </a:r>
             <a:r>
-              <a:rPr lang="en-US" b="1" dirty="0"/>
+              <a:rPr lang="en-US" b="1" dirty="0">
+                <a:solidFill>
+                  <a:srgbClr val="000000"/>
+                </a:solidFill>
+              </a:rPr>
               <a:t>' obligatory prayers and to </a:t>
             </a:r>
             <a:r>

--- a/PPTs/Salah.pptx
+++ b/PPTs/Salah.pptx
@@ -259,7 +259,7 @@
               <a:pPr>
                 <a:defRPr/>
               </a:pPr>
-              <a:t>5/18/2024</a:t>
+              <a:t>5/23/2024</a:t>
             </a:fld>
             <a:endParaRPr lang="en-US"/>
           </a:p>
@@ -6583,41 +6583,7 @@
                 <a:ea typeface="Calibri Light" panose="020F0302020204030204" pitchFamily="34" charset="0"/>
                 <a:cs typeface="Calibri Light" panose="020F0302020204030204" pitchFamily="34" charset="0"/>
               </a:rPr>
-              <a:t>And We desired to show </a:t>
-            </a:r>
-            <a:r>
-              <a:rPr kumimoji="0" lang="en-US" sz="1400" b="0" i="1" u="none" strike="noStrike" kern="1200" cap="none" spc="0" normalizeH="0" baseline="0" noProof="0" dirty="0" err="1">
-                <a:ln>
-                  <a:noFill/>
-                </a:ln>
-                <a:solidFill>
-                  <a:srgbClr val="127274"/>
-                </a:solidFill>
-                <a:effectLst/>
-                <a:uLnTx/>
-                <a:uFillTx/>
-                <a:latin typeface="Calibri Light" panose="020F0302020204030204" pitchFamily="34" charset="0"/>
-                <a:ea typeface="Calibri Light" panose="020F0302020204030204" pitchFamily="34" charset="0"/>
-                <a:cs typeface="Calibri Light" panose="020F0302020204030204" pitchFamily="34" charset="0"/>
-              </a:rPr>
-              <a:t>favour</a:t>
-            </a:r>
-            <a:r>
-              <a:rPr kumimoji="0" lang="en-US" sz="1400" b="0" i="1" u="none" strike="noStrike" kern="1200" cap="none" spc="0" normalizeH="0" baseline="0" noProof="0" dirty="0">
-                <a:ln>
-                  <a:noFill/>
-                </a:ln>
-                <a:solidFill>
-                  <a:srgbClr val="127274"/>
-                </a:solidFill>
-                <a:effectLst/>
-                <a:uLnTx/>
-                <a:uFillTx/>
-                <a:latin typeface="Calibri Light" panose="020F0302020204030204" pitchFamily="34" charset="0"/>
-                <a:ea typeface="Calibri Light" panose="020F0302020204030204" pitchFamily="34" charset="0"/>
-                <a:cs typeface="Calibri Light" panose="020F0302020204030204" pitchFamily="34" charset="0"/>
-              </a:rPr>
-              <a:t> upon those who were abased in the land, </a:t>
+              <a:t>And We desired to show favor upon those who were abased in the land, </a:t>
             </a:r>
           </a:p>
           <a:p>
@@ -6723,7 +6689,7 @@
                 <a:ea typeface="Calibri Light" panose="020F0302020204030204" pitchFamily="34" charset="0"/>
                 <a:cs typeface="Calibri Light" panose="020F0302020204030204" pitchFamily="34" charset="0"/>
               </a:rPr>
-              <a:t> : 5)</a:t>
+              <a:t>: 5)</a:t>
             </a:r>
             <a:endParaRPr kumimoji="0" lang="en-CA" sz="1200" b="0" i="1" u="none" strike="noStrike" kern="1200" cap="none" spc="0" normalizeH="0" baseline="0" noProof="0" dirty="0">
               <a:ln>
@@ -8902,41 +8868,7 @@
                 <a:ea typeface="Calibri Light" panose="020F0302020204030204" pitchFamily="34" charset="0"/>
                 <a:cs typeface="Calibri Light" panose="020F0302020204030204" pitchFamily="34" charset="0"/>
               </a:rPr>
-              <a:t>And We desired to show </a:t>
-            </a:r>
-            <a:r>
-              <a:rPr kumimoji="0" lang="en-US" sz="1400" b="0" i="1" u="none" strike="noStrike" kern="1200" cap="none" spc="0" normalizeH="0" baseline="0" noProof="0" dirty="0" err="1">
-                <a:ln>
-                  <a:noFill/>
-                </a:ln>
-                <a:solidFill>
-                  <a:srgbClr val="127274"/>
-                </a:solidFill>
-                <a:effectLst/>
-                <a:uLnTx/>
-                <a:uFillTx/>
-                <a:latin typeface="Calibri Light" panose="020F0302020204030204" pitchFamily="34" charset="0"/>
-                <a:ea typeface="Calibri Light" panose="020F0302020204030204" pitchFamily="34" charset="0"/>
-                <a:cs typeface="Calibri Light" panose="020F0302020204030204" pitchFamily="34" charset="0"/>
-              </a:rPr>
-              <a:t>favour</a:t>
-            </a:r>
-            <a:r>
-              <a:rPr kumimoji="0" lang="en-US" sz="1400" b="0" i="1" u="none" strike="noStrike" kern="1200" cap="none" spc="0" normalizeH="0" baseline="0" noProof="0" dirty="0">
-                <a:ln>
-                  <a:noFill/>
-                </a:ln>
-                <a:solidFill>
-                  <a:srgbClr val="127274"/>
-                </a:solidFill>
-                <a:effectLst/>
-                <a:uLnTx/>
-                <a:uFillTx/>
-                <a:latin typeface="Calibri Light" panose="020F0302020204030204" pitchFamily="34" charset="0"/>
-                <a:ea typeface="Calibri Light" panose="020F0302020204030204" pitchFamily="34" charset="0"/>
-                <a:cs typeface="Calibri Light" panose="020F0302020204030204" pitchFamily="34" charset="0"/>
-              </a:rPr>
-              <a:t> upon those who were abased in the land, </a:t>
+              <a:t>And We desired to show favor upon those who were abased in the land, </a:t>
             </a:r>
           </a:p>
           <a:p>
@@ -9042,7 +8974,7 @@
                 <a:ea typeface="Calibri Light" panose="020F0302020204030204" pitchFamily="34" charset="0"/>
                 <a:cs typeface="Calibri Light" panose="020F0302020204030204" pitchFamily="34" charset="0"/>
               </a:rPr>
-              <a:t> : 5)</a:t>
+              <a:t>: 5)</a:t>
             </a:r>
             <a:endParaRPr kumimoji="0" lang="en-CA" sz="1200" b="0" i="1" u="none" strike="noStrike" kern="1200" cap="none" spc="0" normalizeH="0" baseline="0" noProof="0" dirty="0">
               <a:ln>

--- a/PPTs/Salah.pptx
+++ b/PPTs/Salah.pptx
@@ -259,7 +259,7 @@
               <a:pPr>
                 <a:defRPr/>
               </a:pPr>
-              <a:t>5/23/2024</a:t>
+              <a:t>10/11/2024</a:t>
             </a:fld>
             <a:endParaRPr lang="en-US"/>
           </a:p>
@@ -4564,10 +4564,9 @@
           <a:lstStyle/>
           <a:p>
             <a:r>
-              <a:rPr lang="en-CA" sz="8000" dirty="0" err="1"/>
-              <a:t>Azaan</a:t>
-            </a:r>
-            <a:endParaRPr lang="en-CA" sz="8000" dirty="0"/>
+              <a:rPr lang="en-CA" sz="8000" dirty="0"/>
+              <a:t>Adhan</a:t>
+            </a:r>
           </a:p>
         </p:txBody>
       </p:sp>
